--- a/PosterTemplate1/Poster Template 1/Poster_Template1.pptx
+++ b/PosterTemplate1/Poster Template 1/Poster_Template1.pptx
@@ -3019,7 +3019,7 @@
           <a:p>
             <a:fld id="{70F0E767-06F5-1743-8250-09BED16D1E0E}" type="datetimeFigureOut">
               <a:rPr lang="en-US" smtClean="0"/>
-              <a:t>5/2/2020</a:t>
+              <a:t>5/4/2020</a:t>
             </a:fld>
             <a:endParaRPr lang="en-US"/>
           </a:p>
@@ -3196,7 +3196,7 @@
           <a:p>
             <a:fld id="{01FC99CA-AF55-2547-B865-ACD414BD3D5B}" type="datetimeFigureOut">
               <a:rPr lang="en-US" smtClean="0"/>
-              <a:t>5/2/2020</a:t>
+              <a:t>5/4/2020</a:t>
             </a:fld>
             <a:endParaRPr lang="en-US"/>
           </a:p>
@@ -3678,7 +3678,7 @@
           <a:p>
             <a:fld id="{0D95E40B-6DE2-BC44-9D41-DAE6D07500F7}" type="datetimeFigureOut">
               <a:rPr lang="en-US" smtClean="0"/>
-              <a:t>5/2/2020</a:t>
+              <a:t>5/4/2020</a:t>
             </a:fld>
             <a:endParaRPr lang="en-US"/>
           </a:p>
@@ -3848,7 +3848,7 @@
           <a:p>
             <a:fld id="{0D95E40B-6DE2-BC44-9D41-DAE6D07500F7}" type="datetimeFigureOut">
               <a:rPr lang="en-US" smtClean="0"/>
-              <a:t>5/2/2020</a:t>
+              <a:t>5/4/2020</a:t>
             </a:fld>
             <a:endParaRPr lang="en-US"/>
           </a:p>
@@ -4028,7 +4028,7 @@
           <a:p>
             <a:fld id="{0D95E40B-6DE2-BC44-9D41-DAE6D07500F7}" type="datetimeFigureOut">
               <a:rPr lang="en-US" smtClean="0"/>
-              <a:t>5/2/2020</a:t>
+              <a:t>5/4/2020</a:t>
             </a:fld>
             <a:endParaRPr lang="en-US"/>
           </a:p>
@@ -4198,7 +4198,7 @@
           <a:p>
             <a:fld id="{0D95E40B-6DE2-BC44-9D41-DAE6D07500F7}" type="datetimeFigureOut">
               <a:rPr lang="en-US" smtClean="0"/>
-              <a:t>5/2/2020</a:t>
+              <a:t>5/4/2020</a:t>
             </a:fld>
             <a:endParaRPr lang="en-US"/>
           </a:p>
@@ -4442,7 +4442,7 @@
           <a:p>
             <a:fld id="{0D95E40B-6DE2-BC44-9D41-DAE6D07500F7}" type="datetimeFigureOut">
               <a:rPr lang="en-US" smtClean="0"/>
-              <a:t>5/2/2020</a:t>
+              <a:t>5/4/2020</a:t>
             </a:fld>
             <a:endParaRPr lang="en-US"/>
           </a:p>
@@ -4674,7 +4674,7 @@
           <a:p>
             <a:fld id="{0D95E40B-6DE2-BC44-9D41-DAE6D07500F7}" type="datetimeFigureOut">
               <a:rPr lang="en-US" smtClean="0"/>
-              <a:t>5/2/2020</a:t>
+              <a:t>5/4/2020</a:t>
             </a:fld>
             <a:endParaRPr lang="en-US"/>
           </a:p>
@@ -5041,7 +5041,7 @@
           <a:p>
             <a:fld id="{0D95E40B-6DE2-BC44-9D41-DAE6D07500F7}" type="datetimeFigureOut">
               <a:rPr lang="en-US" smtClean="0"/>
-              <a:t>5/2/2020</a:t>
+              <a:t>5/4/2020</a:t>
             </a:fld>
             <a:endParaRPr lang="en-US"/>
           </a:p>
@@ -5159,7 +5159,7 @@
           <a:p>
             <a:fld id="{0D95E40B-6DE2-BC44-9D41-DAE6D07500F7}" type="datetimeFigureOut">
               <a:rPr lang="en-US" smtClean="0"/>
-              <a:t>5/2/2020</a:t>
+              <a:t>5/4/2020</a:t>
             </a:fld>
             <a:endParaRPr lang="en-US"/>
           </a:p>
@@ -5254,7 +5254,7 @@
           <a:p>
             <a:fld id="{0D95E40B-6DE2-BC44-9D41-DAE6D07500F7}" type="datetimeFigureOut">
               <a:rPr lang="en-US" smtClean="0"/>
-              <a:t>5/2/2020</a:t>
+              <a:t>5/4/2020</a:t>
             </a:fld>
             <a:endParaRPr lang="en-US"/>
           </a:p>
@@ -5531,7 +5531,7 @@
           <a:p>
             <a:fld id="{0D95E40B-6DE2-BC44-9D41-DAE6D07500F7}" type="datetimeFigureOut">
               <a:rPr lang="en-US" smtClean="0"/>
-              <a:t>5/2/2020</a:t>
+              <a:t>5/4/2020</a:t>
             </a:fld>
             <a:endParaRPr lang="en-US"/>
           </a:p>
@@ -5788,7 +5788,7 @@
           <a:p>
             <a:fld id="{0D95E40B-6DE2-BC44-9D41-DAE6D07500F7}" type="datetimeFigureOut">
               <a:rPr lang="en-US" smtClean="0"/>
-              <a:t>5/2/2020</a:t>
+              <a:t>5/4/2020</a:t>
             </a:fld>
             <a:endParaRPr lang="en-US"/>
           </a:p>
@@ -6001,7 +6001,7 @@
           <a:p>
             <a:fld id="{0D95E40B-6DE2-BC44-9D41-DAE6D07500F7}" type="datetimeFigureOut">
               <a:rPr lang="en-US" smtClean="0"/>
-              <a:t>5/2/2020</a:t>
+              <a:t>5/4/2020</a:t>
             </a:fld>
             <a:endParaRPr lang="en-US"/>
           </a:p>
@@ -6535,23 +6535,7 @@
                 <a:ea typeface="Lato Light" panose="020F0502020204030203" pitchFamily="34" charset="0"/>
                 <a:cs typeface="Lato Light" panose="020F0502020204030203" pitchFamily="34" charset="0"/>
               </a:rPr>
-              <a:t>Supervisor: </a:t>
-            </a:r>
-            <a:r>
-              <a:rPr lang="en-US" sz="2000" dirty="0" err="1">
-                <a:latin typeface="Lato Light" panose="020F0502020204030203" pitchFamily="34" charset="0"/>
-                <a:ea typeface="Lato Light" panose="020F0502020204030203" pitchFamily="34" charset="0"/>
-                <a:cs typeface="Lato Light" panose="020F0502020204030203" pitchFamily="34" charset="0"/>
-              </a:rPr>
-              <a:t>Dr.Vanessa</a:t>
-            </a:r>
-            <a:r>
-              <a:rPr lang="en-US" sz="2000" dirty="0">
-                <a:latin typeface="Lato Light" panose="020F0502020204030203" pitchFamily="34" charset="0"/>
-                <a:ea typeface="Lato Light" panose="020F0502020204030203" pitchFamily="34" charset="0"/>
-                <a:cs typeface="Lato Light" panose="020F0502020204030203" pitchFamily="34" charset="0"/>
-              </a:rPr>
-              <a:t> Camilleri, </a:t>
+              <a:t>Supervisor: Dr. Vanessa Camilleri, </a:t>
             </a:r>
           </a:p>
         </p:txBody>
@@ -7516,23 +7500,7 @@
                           <a:ea typeface="Lato" panose="020F0502020204030203" pitchFamily="34" charset="0"/>
                           <a:cs typeface="Lato" panose="020F0502020204030203" pitchFamily="34" charset="0"/>
                         </a:rPr>
-                        <a:t>, “Comparison of collaborative ﬁltering algorithms: Limitations of current techniques and proposals for scalable</a:t>
-                      </a:r>
-                      <a:r>
-                        <a:rPr lang="en-US" sz="1600">
-                          <a:latin typeface="Lato" panose="020F0502020204030203" pitchFamily="34" charset="0"/>
-                          <a:ea typeface="Lato" panose="020F0502020204030203" pitchFamily="34" charset="0"/>
-                          <a:cs typeface="Lato" panose="020F0502020204030203" pitchFamily="34" charset="0"/>
-                        </a:rPr>
-                        <a:t>, high-performance </a:t>
-                      </a:r>
-                      <a:r>
-                        <a:rPr lang="en-US" sz="1600" dirty="0">
-                          <a:latin typeface="Lato" panose="020F0502020204030203" pitchFamily="34" charset="0"/>
-                          <a:ea typeface="Lato" panose="020F0502020204030203" pitchFamily="34" charset="0"/>
-                          <a:cs typeface="Lato" panose="020F0502020204030203" pitchFamily="34" charset="0"/>
-                        </a:rPr>
-                        <a:t>recommender systems,” TWEB, vol. 5, p. 2, 01 2011.</a:t>
+                        <a:t>, “Comparison of collaborative ﬁltering algorithms: Limitations of current techniques and proposals for scalable, high-performance recommender systems,” TWEB, vol. 5, p. 2, 01 2011.</a:t>
                       </a:r>
                     </a:p>
                   </a:txBody>
@@ -8347,10 +8315,10 @@
       </p:graphicFrame>
       <p:pic>
         <p:nvPicPr>
-          <p:cNvPr id="6" name="Picture 5" descr="A close up of a map&#10;&#10;Description automatically generated">
+          <p:cNvPr id="3" name="Picture 2">
             <a:extLst>
               <a:ext uri="{FF2B5EF4-FFF2-40B4-BE49-F238E27FC236}">
-                <a16:creationId xmlns:a16="http://schemas.microsoft.com/office/drawing/2014/main" id="{C80A23DD-EF0B-40CA-8991-A9379B221C3B}"/>
+                <a16:creationId xmlns:a16="http://schemas.microsoft.com/office/drawing/2014/main" id="{0C8B0BCD-49DE-4CE7-9C2F-0CE9BBB3F65B}"/>
               </a:ext>
             </a:extLst>
           </p:cNvPr>
@@ -8367,8 +8335,8 @@
         </p:blipFill>
         <p:spPr>
           <a:xfrm>
-            <a:off x="7812089" y="4155622"/>
-            <a:ext cx="6844768" cy="6603484"/>
+            <a:off x="7845427" y="4631779"/>
+            <a:ext cx="6703607" cy="5485318"/>
           </a:xfrm>
           <a:prstGeom prst="rect">
             <a:avLst/>
